--- a/materials/slides/ch02.pptx
+++ b/materials/slides/ch02.pptx
@@ -2596,7 +2596,6 @@
           <a:ln>
             <a:noFill/>
           </a:ln>
-          <a:extLst/>
         </p:spPr>
         <p:txBody>
           <a:bodyPr>
@@ -2816,7 +2815,6 @@
           <a:ln>
             <a:noFill/>
           </a:ln>
-          <a:extLst/>
         </p:spPr>
         <p:txBody>
           <a:bodyPr wrap="none" anchor="ctr"/>
@@ -2968,7 +2966,6 @@
           <a:ln>
             <a:noFill/>
           </a:ln>
-          <a:extLst/>
         </p:spPr>
         <p:txBody>
           <a:bodyPr wrap="none" anchor="ctr"/>
@@ -3116,7 +3113,6 @@
           <a:ln>
             <a:noFill/>
           </a:ln>
-          <a:extLst/>
         </p:spPr>
         <p:txBody>
           <a:bodyPr/>
@@ -4669,7 +4665,7 @@
               <a:pPr>
                 <a:defRPr/>
               </a:pPr>
-              <a:t>2018/6/12</a:t>
+              <a:t>2019/7/16</a:t>
             </a:fld>
             <a:endParaRPr lang="zh-CN" altLang="en-US"/>
           </a:p>
@@ -4988,7 +4984,7 @@
               <a:pPr>
                 <a:defRPr/>
               </a:pPr>
-              <a:t>2018/6/12</a:t>
+              <a:t>2019/7/16</a:t>
             </a:fld>
             <a:endParaRPr lang="zh-CN" altLang="en-US"/>
           </a:p>
@@ -6651,6 +6647,10 @@
               <a:rPr lang="zh-CN" altLang="zh-CN" dirty="0"/>
               <a:t>会自动创建另一个对象申请另一块的内存，并改变变量的对象引用。这样做的优点是减少了重复的值对内存空间的占用，而缺点则是每次修改变量都需要重新开辟内存单元，给执行效率带来一定影响。</a:t>
             </a:r>
+            <a:r>
+              <a:rPr lang="en-US" altLang="zh-CN"/>
+              <a:t> </a:t>
+            </a:r>
             <a:endParaRPr lang="en-US" altLang="zh-CN" dirty="0"/>
           </a:p>
           <a:p>
@@ -16048,7 +16048,6 @@
             <a:noFill/>
           </a:ln>
           <a:effectLst/>
-          <a:extLst/>
         </p:spPr>
         <p:txBody>
           <a:bodyPr wrap="none" anchor="ctr"/>

--- a/materials/slides/ch02.pptx
+++ b/materials/slides/ch02.pptx
@@ -2596,6 +2596,7 @@
           <a:ln>
             <a:noFill/>
           </a:ln>
+          <a:extLst/>
         </p:spPr>
         <p:txBody>
           <a:bodyPr>
@@ -2815,6 +2816,7 @@
           <a:ln>
             <a:noFill/>
           </a:ln>
+          <a:extLst/>
         </p:spPr>
         <p:txBody>
           <a:bodyPr wrap="none" anchor="ctr"/>
@@ -2966,6 +2968,7 @@
           <a:ln>
             <a:noFill/>
           </a:ln>
+          <a:extLst/>
         </p:spPr>
         <p:txBody>
           <a:bodyPr wrap="none" anchor="ctr"/>
@@ -3113,6 +3116,7 @@
           <a:ln>
             <a:noFill/>
           </a:ln>
+          <a:extLst/>
         </p:spPr>
         <p:txBody>
           <a:bodyPr/>
@@ -4665,7 +4669,7 @@
               <a:pPr>
                 <a:defRPr/>
               </a:pPr>
-              <a:t>2019/7/16</a:t>
+              <a:t>2018/6/12</a:t>
             </a:fld>
             <a:endParaRPr lang="zh-CN" altLang="en-US"/>
           </a:p>
@@ -4984,7 +4988,7 @@
               <a:pPr>
                 <a:defRPr/>
               </a:pPr>
-              <a:t>2019/7/16</a:t>
+              <a:t>2018/6/12</a:t>
             </a:fld>
             <a:endParaRPr lang="zh-CN" altLang="en-US"/>
           </a:p>
@@ -6647,10 +6651,6 @@
               <a:rPr lang="zh-CN" altLang="zh-CN" dirty="0"/>
               <a:t>会自动创建另一个对象申请另一块的内存，并改变变量的对象引用。这样做的优点是减少了重复的值对内存空间的占用，而缺点则是每次修改变量都需要重新开辟内存单元，给执行效率带来一定影响。</a:t>
             </a:r>
-            <a:r>
-              <a:rPr lang="en-US" altLang="zh-CN"/>
-              <a:t> </a:t>
-            </a:r>
             <a:endParaRPr lang="en-US" altLang="zh-CN" dirty="0"/>
           </a:p>
           <a:p>
@@ -16048,6 +16048,7 @@
             <a:noFill/>
           </a:ln>
           <a:effectLst/>
+          <a:extLst/>
         </p:spPr>
         <p:txBody>
           <a:bodyPr wrap="none" anchor="ctr"/>
